--- a/src/seq-cheat-sheets.pptx
+++ b/src/seq-cheat-sheets.pptx
@@ -248,7 +248,7 @@
           <a:p>
             <a:fld id="{0B20D1D9-2448-4CFF-A857-D01FC74D8DDB}" type="datetimeFigureOut">
               <a:rPr lang="en-AU" smtClean="0"/>
-              <a:t>29/05/2017</a:t>
+              <a:t>26/07/2017</a:t>
             </a:fld>
             <a:endParaRPr lang="en-AU"/>
           </a:p>
@@ -418,7 +418,7 @@
           <a:p>
             <a:fld id="{0B20D1D9-2448-4CFF-A857-D01FC74D8DDB}" type="datetimeFigureOut">
               <a:rPr lang="en-AU" smtClean="0"/>
-              <a:t>29/05/2017</a:t>
+              <a:t>26/07/2017</a:t>
             </a:fld>
             <a:endParaRPr lang="en-AU"/>
           </a:p>
@@ -598,7 +598,7 @@
           <a:p>
             <a:fld id="{0B20D1D9-2448-4CFF-A857-D01FC74D8DDB}" type="datetimeFigureOut">
               <a:rPr lang="en-AU" smtClean="0"/>
-              <a:t>29/05/2017</a:t>
+              <a:t>26/07/2017</a:t>
             </a:fld>
             <a:endParaRPr lang="en-AU"/>
           </a:p>
@@ -768,7 +768,7 @@
           <a:p>
             <a:fld id="{0B20D1D9-2448-4CFF-A857-D01FC74D8DDB}" type="datetimeFigureOut">
               <a:rPr lang="en-AU" smtClean="0"/>
-              <a:t>29/05/2017</a:t>
+              <a:t>26/07/2017</a:t>
             </a:fld>
             <a:endParaRPr lang="en-AU"/>
           </a:p>
@@ -1012,7 +1012,7 @@
           <a:p>
             <a:fld id="{0B20D1D9-2448-4CFF-A857-D01FC74D8DDB}" type="datetimeFigureOut">
               <a:rPr lang="en-AU" smtClean="0"/>
-              <a:t>29/05/2017</a:t>
+              <a:t>26/07/2017</a:t>
             </a:fld>
             <a:endParaRPr lang="en-AU"/>
           </a:p>
@@ -1244,7 +1244,7 @@
           <a:p>
             <a:fld id="{0B20D1D9-2448-4CFF-A857-D01FC74D8DDB}" type="datetimeFigureOut">
               <a:rPr lang="en-AU" smtClean="0"/>
-              <a:t>29/05/2017</a:t>
+              <a:t>26/07/2017</a:t>
             </a:fld>
             <a:endParaRPr lang="en-AU"/>
           </a:p>
@@ -1611,7 +1611,7 @@
           <a:p>
             <a:fld id="{0B20D1D9-2448-4CFF-A857-D01FC74D8DDB}" type="datetimeFigureOut">
               <a:rPr lang="en-AU" smtClean="0"/>
-              <a:t>29/05/2017</a:t>
+              <a:t>26/07/2017</a:t>
             </a:fld>
             <a:endParaRPr lang="en-AU"/>
           </a:p>
@@ -1729,7 +1729,7 @@
           <a:p>
             <a:fld id="{0B20D1D9-2448-4CFF-A857-D01FC74D8DDB}" type="datetimeFigureOut">
               <a:rPr lang="en-AU" smtClean="0"/>
-              <a:t>29/05/2017</a:t>
+              <a:t>26/07/2017</a:t>
             </a:fld>
             <a:endParaRPr lang="en-AU"/>
           </a:p>
@@ -1824,7 +1824,7 @@
           <a:p>
             <a:fld id="{0B20D1D9-2448-4CFF-A857-D01FC74D8DDB}" type="datetimeFigureOut">
               <a:rPr lang="en-AU" smtClean="0"/>
-              <a:t>29/05/2017</a:t>
+              <a:t>26/07/2017</a:t>
             </a:fld>
             <a:endParaRPr lang="en-AU"/>
           </a:p>
@@ -2101,7 +2101,7 @@
           <a:p>
             <a:fld id="{0B20D1D9-2448-4CFF-A857-D01FC74D8DDB}" type="datetimeFigureOut">
               <a:rPr lang="en-AU" smtClean="0"/>
-              <a:t>29/05/2017</a:t>
+              <a:t>26/07/2017</a:t>
             </a:fld>
             <a:endParaRPr lang="en-AU"/>
           </a:p>
@@ -2358,7 +2358,7 @@
           <a:p>
             <a:fld id="{0B20D1D9-2448-4CFF-A857-D01FC74D8DDB}" type="datetimeFigureOut">
               <a:rPr lang="en-AU" smtClean="0"/>
-              <a:t>29/05/2017</a:t>
+              <a:t>26/07/2017</a:t>
             </a:fld>
             <a:endParaRPr lang="en-AU"/>
           </a:p>
@@ -2571,7 +2571,7 @@
           <a:p>
             <a:fld id="{0B20D1D9-2448-4CFF-A857-D01FC74D8DDB}" type="datetimeFigureOut">
               <a:rPr lang="en-AU" smtClean="0"/>
-              <a:t>29/05/2017</a:t>
+              <a:t>26/07/2017</a:t>
             </a:fld>
             <a:endParaRPr lang="en-AU"/>
           </a:p>
@@ -3398,7 +3398,7 @@
                 <a:latin typeface="Segoe UI" panose="020B0502040204020203" pitchFamily="34" charset="0"/>
                 <a:cs typeface="Segoe UI" panose="020B0502040204020203" pitchFamily="34" charset="0"/>
               </a:rPr>
-              <a:t>exits</a:t>
+              <a:t>exists</a:t>
             </a:r>
           </a:p>
           <a:p>
@@ -5249,7 +5249,7 @@
               <a:t> </a:t>
             </a:r>
             <a:r>
-              <a:rPr lang="en-AU" sz="1000" dirty="0">
+              <a:rPr lang="en-AU" sz="1000">
                 <a:solidFill>
                   <a:srgbClr val="3A3A3A"/>
                 </a:solidFill>
@@ -5258,13 +5258,22 @@
               <a:t>=</a:t>
             </a:r>
             <a:r>
-              <a:rPr lang="en-AU" sz="1000" dirty="0">
+              <a:rPr lang="en-AU" sz="1000">
                 <a:solidFill>
                   <a:schemeClr val="accent2"/>
                 </a:solidFill>
                 <a:latin typeface="Consolas" panose="020B0609020204030204" pitchFamily="49" charset="0"/>
               </a:rPr>
-              <a:t> Production'</a:t>
+              <a:t> 'Production</a:t>
+            </a:r>
+            <a:r>
+              <a:rPr lang="en-AU" sz="1000" dirty="0">
+                <a:solidFill>
+                  <a:schemeClr val="accent2"/>
+                </a:solidFill>
+                <a:latin typeface="Consolas" panose="020B0609020204030204" pitchFamily="49" charset="0"/>
+              </a:rPr>
+              <a:t>'</a:t>
             </a:r>
           </a:p>
         </p:txBody>
@@ -5480,6 +5489,21 @@
               </a:rPr>
               <a:t>)/</a:t>
             </a:r>
+            <a:r>
+              <a:rPr lang="en-AU" sz="1000" dirty="0">
+                <a:solidFill>
+                  <a:srgbClr val="3A3A3A"/>
+                </a:solidFill>
+                <a:latin typeface="Consolas" panose="020B0609020204030204" pitchFamily="49" charset="0"/>
+              </a:rPr>
+              <a:t>)</a:t>
+            </a:r>
+            <a:endParaRPr lang="en-AU" sz="1000" dirty="0">
+              <a:solidFill>
+                <a:schemeClr val="accent2"/>
+              </a:solidFill>
+              <a:latin typeface="Consolas" panose="020B0609020204030204" pitchFamily="49" charset="0"/>
+            </a:endParaRPr>
           </a:p>
         </p:txBody>
       </p:sp>
